--- a/Lecture/Joins 2/Joins_2_Lecture.pptx
+++ b/Lecture/Joins 2/Joins_2_Lecture.pptx
@@ -293,7 +293,7 @@
               <a:pPr>
                 <a:defRPr/>
               </a:pPr>
-              <a:t>2/26/2019</a:t>
+              <a:t>4/4/2019</a:t>
             </a:fld>
             <a:endParaRPr lang="en-US" dirty="0"/>
           </a:p>
@@ -505,7 +505,7 @@
               <a:pPr>
                 <a:defRPr/>
               </a:pPr>
-              <a:t>2/26/2019</a:t>
+              <a:t>4/4/2019</a:t>
             </a:fld>
             <a:endParaRPr lang="en-US" dirty="0"/>
           </a:p>
@@ -1024,7 +1024,7 @@
               <a:pPr>
                 <a:defRPr/>
               </a:pPr>
-              <a:t>2/26/2019</a:t>
+              <a:t>4/4/2019</a:t>
             </a:fld>
             <a:endParaRPr lang="en-US" dirty="0"/>
           </a:p>
@@ -1214,7 +1214,7 @@
               <a:pPr>
                 <a:defRPr/>
               </a:pPr>
-              <a:t>2/26/2019</a:t>
+              <a:t>4/4/2019</a:t>
             </a:fld>
             <a:endParaRPr lang="en-US" dirty="0"/>
           </a:p>
@@ -1414,7 +1414,7 @@
               <a:pPr>
                 <a:defRPr/>
               </a:pPr>
-              <a:t>2/26/2019</a:t>
+              <a:t>4/4/2019</a:t>
             </a:fld>
             <a:endParaRPr lang="en-US" dirty="0"/>
           </a:p>
@@ -1682,7 +1682,7 @@
               <a:pPr>
                 <a:defRPr/>
               </a:pPr>
-              <a:t>2/26/2019</a:t>
+              <a:t>4/4/2019</a:t>
             </a:fld>
             <a:endParaRPr lang="en-US" dirty="0">
               <a:solidFill>
@@ -1896,7 +1896,7 @@
               <a:pPr>
                 <a:defRPr/>
               </a:pPr>
-              <a:t>2/26/2019</a:t>
+              <a:t>4/4/2019</a:t>
             </a:fld>
             <a:endParaRPr lang="en-US" dirty="0">
               <a:solidFill>
@@ -2187,7 +2187,7 @@
               <a:pPr>
                 <a:defRPr/>
               </a:pPr>
-              <a:t>2/26/2019</a:t>
+              <a:t>4/4/2019</a:t>
             </a:fld>
             <a:endParaRPr lang="en-US" dirty="0">
               <a:solidFill>
@@ -2518,7 +2518,7 @@
               <a:pPr>
                 <a:defRPr/>
               </a:pPr>
-              <a:t>2/26/2019</a:t>
+              <a:t>4/4/2019</a:t>
             </a:fld>
             <a:endParaRPr lang="en-US" dirty="0">
               <a:solidFill>
@@ -2983,7 +2983,7 @@
               <a:pPr>
                 <a:defRPr/>
               </a:pPr>
-              <a:t>2/26/2019</a:t>
+              <a:t>4/4/2019</a:t>
             </a:fld>
             <a:endParaRPr lang="en-US" dirty="0">
               <a:solidFill>
@@ -3146,7 +3146,7 @@
               <a:pPr>
                 <a:defRPr/>
               </a:pPr>
-              <a:t>2/26/2019</a:t>
+              <a:t>4/4/2019</a:t>
             </a:fld>
             <a:endParaRPr lang="en-US" dirty="0">
               <a:solidFill>
@@ -3287,7 +3287,7 @@
               <a:pPr>
                 <a:defRPr/>
               </a:pPr>
-              <a:t>2/26/2019</a:t>
+              <a:t>4/4/2019</a:t>
             </a:fld>
             <a:endParaRPr lang="en-US" dirty="0">
               <a:solidFill>
@@ -3608,7 +3608,7 @@
               <a:pPr>
                 <a:defRPr/>
               </a:pPr>
-              <a:t>2/26/2019</a:t>
+              <a:t>4/4/2019</a:t>
             </a:fld>
             <a:endParaRPr lang="en-US" dirty="0">
               <a:solidFill>
@@ -3816,7 +3816,7 @@
               <a:pPr>
                 <a:defRPr/>
               </a:pPr>
-              <a:t>2/26/2019</a:t>
+              <a:t>4/4/2019</a:t>
             </a:fld>
             <a:endParaRPr lang="en-US" dirty="0"/>
           </a:p>
@@ -4099,7 +4099,7 @@
               <a:pPr>
                 <a:defRPr/>
               </a:pPr>
-              <a:t>2/26/2019</a:t>
+              <a:t>4/4/2019</a:t>
             </a:fld>
             <a:endParaRPr lang="en-US" dirty="0">
               <a:solidFill>
@@ -4313,7 +4313,7 @@
               <a:pPr>
                 <a:defRPr/>
               </a:pPr>
-              <a:t>2/26/2019</a:t>
+              <a:t>4/4/2019</a:t>
             </a:fld>
             <a:endParaRPr lang="en-US" dirty="0">
               <a:solidFill>
@@ -4537,7 +4537,7 @@
               <a:pPr>
                 <a:defRPr/>
               </a:pPr>
-              <a:t>2/26/2019</a:t>
+              <a:t>4/4/2019</a:t>
             </a:fld>
             <a:endParaRPr lang="en-US" dirty="0">
               <a:solidFill>
@@ -4747,7 +4747,7 @@
               <a:pPr>
                 <a:defRPr/>
               </a:pPr>
-              <a:t>2/26/2019</a:t>
+              <a:t>4/4/2019</a:t>
             </a:fld>
             <a:endParaRPr lang="en-US" dirty="0">
               <a:solidFill>
@@ -5024,7 +5024,7 @@
               <a:pPr>
                 <a:defRPr/>
               </a:pPr>
-              <a:t>2/26/2019</a:t>
+              <a:t>4/4/2019</a:t>
             </a:fld>
             <a:endParaRPr lang="en-US" dirty="0"/>
           </a:p>
@@ -5331,7 +5331,7 @@
               <a:pPr>
                 <a:defRPr/>
               </a:pPr>
-              <a:t>2/26/2019</a:t>
+              <a:t>4/4/2019</a:t>
             </a:fld>
             <a:endParaRPr lang="en-US" dirty="0"/>
           </a:p>
@@ -5772,7 +5772,7 @@
               <a:pPr>
                 <a:defRPr/>
               </a:pPr>
-              <a:t>2/26/2019</a:t>
+              <a:t>4/4/2019</a:t>
             </a:fld>
             <a:endParaRPr lang="en-US" dirty="0"/>
           </a:p>
@@ -5911,7 +5911,7 @@
               <a:pPr>
                 <a:defRPr/>
               </a:pPr>
-              <a:t>2/26/2019</a:t>
+              <a:t>4/4/2019</a:t>
             </a:fld>
             <a:endParaRPr lang="en-US" dirty="0"/>
           </a:p>
@@ -6028,7 +6028,7 @@
               <a:pPr>
                 <a:defRPr/>
               </a:pPr>
-              <a:t>2/26/2019</a:t>
+              <a:t>4/4/2019</a:t>
             </a:fld>
             <a:endParaRPr lang="en-US" dirty="0"/>
           </a:p>
@@ -6325,7 +6325,7 @@
               <a:pPr>
                 <a:defRPr/>
               </a:pPr>
-              <a:t>2/26/2019</a:t>
+              <a:t>4/4/2019</a:t>
             </a:fld>
             <a:endParaRPr lang="en-US" dirty="0"/>
           </a:p>
@@ -6602,7 +6602,7 @@
               <a:pPr>
                 <a:defRPr/>
               </a:pPr>
-              <a:t>2/26/2019</a:t>
+              <a:t>4/4/2019</a:t>
             </a:fld>
             <a:endParaRPr lang="en-US" dirty="0"/>
           </a:p>
@@ -6859,7 +6859,7 @@
               <a:pPr>
                 <a:defRPr/>
               </a:pPr>
-              <a:t>2/26/2019</a:t>
+              <a:t>4/4/2019</a:t>
             </a:fld>
             <a:endParaRPr lang="en-US" dirty="0"/>
           </a:p>
@@ -7569,7 +7569,7 @@
               <a:pPr>
                 <a:defRPr/>
               </a:pPr>
-              <a:t>2/26/2019</a:t>
+              <a:t>4/4/2019</a:t>
             </a:fld>
             <a:endParaRPr lang="en-US" dirty="0">
               <a:solidFill>
